--- a/presentations/ver 2 - report draft/slae alg comp.pptx
+++ b/presentations/ver 2 - report draft/slae alg comp.pptx
@@ -4878,8 +4878,8 @@
           </a:xfrm>
         </p:spPr>
       </p:pic>
-      <mc:AlternateContent xmlns:mc="http://schemas.openxmlformats.org/markup-compatibility/2006">
-        <mc:Choice xmlns:a14="http://schemas.microsoft.com/office/drawing/2010/main" Requires="a14">
+      <mc:AlternateContent xmlns:mc="http://schemas.openxmlformats.org/markup-compatibility/2006" xmlns:a14="http://schemas.microsoft.com/office/drawing/2010/main">
+        <mc:Choice Requires="a14">
           <p:sp>
             <p:nvSpPr>
               <p:cNvPr id="6" name="TextBox 5"/>
@@ -4919,22 +4919,14 @@
                 </a14:m>
                 <a:r>
                   <a:rPr lang="ru-RU" dirty="0" smtClean="0"/>
-                  <a:t> от </a:t>
-                </a:r>
-                <a:r>
-                  <a:rPr lang="ru-RU" dirty="0" smtClean="0"/>
-                  <a:t>числа </a:t>
-                </a:r>
-                <a:r>
-                  <a:rPr lang="ru-RU" dirty="0" smtClean="0"/>
-                  <a:t>обусловленности</a:t>
+                  <a:t> от числа обусловленности</a:t>
                 </a:r>
                 <a:endParaRPr lang="en-US" dirty="0"/>
               </a:p>
             </p:txBody>
           </p:sp>
         </mc:Choice>
-        <mc:Fallback>
+        <mc:Fallback xmlns="">
           <p:sp>
             <p:nvSpPr>
               <p:cNvPr id="6" name="TextBox 5"/>
